--- a/PPT-Un-train-davance-F.pptx
+++ b/PPT-Un-train-davance-F.pptx
@@ -5534,7 +5534,19 @@
                 <a:cs typeface="Source Sans Pro"/>
                 <a:sym typeface="Source Sans Pro"/>
               </a:rPr>
-              <a:t>II       Les fonctions</a:t>
+              <a:t>II       </a:t>
+            </a:r>
+            <a:r>
+              <a:rPr lang="fr-FR" sz="2800" b="1">
+                <a:solidFill>
+                  <a:srgbClr val="0091EA"/>
+                </a:solidFill>
+                <a:latin typeface="Source Sans Pro"/>
+                <a:ea typeface="Source Sans Pro"/>
+                <a:cs typeface="Source Sans Pro"/>
+                <a:sym typeface="Source Sans Pro"/>
+              </a:rPr>
+              <a:t>Les 3 axes</a:t>
             </a:r>
             <a:endParaRPr sz="2800" dirty="0">
               <a:solidFill>
